--- a/Docs/Description/Project_mk.pptx
+++ b/Docs/Description/Project_mk.pptx
@@ -115,6 +115,11 @@
       </a:defRPr>
     </a:lvl9pPr>
   </p:defaultTextStyle>
+  <p:extLst>
+    <p:ext uri="{EFAFB233-063F-42B5-8137-9DF3F51BA10A}">
+      <p15:sldGuideLst xmlns:p15="http://schemas.microsoft.com/office/powerpoint/2012/main"/>
+    </p:ext>
+  </p:extLst>
 </p:presentation>
 </file>
 
@@ -251,7 +256,7 @@
           <a:p>
             <a:fld id="{48A87A34-81AB-432B-8DAE-1953F412C126}" type="datetimeFigureOut">
               <a:rPr lang="en-US" dirty="0"/>
-              <a:t>4/3/2022</a:t>
+              <a:t>4/9/2022</a:t>
             </a:fld>
             <a:endParaRPr lang="en-US" dirty="0"/>
           </a:p>
@@ -533,7 +538,7 @@
           <a:p>
             <a:fld id="{48A87A34-81AB-432B-8DAE-1953F412C126}" type="datetimeFigureOut">
               <a:rPr lang="en-US" dirty="0"/>
-              <a:t>4/3/2022</a:t>
+              <a:t>4/9/2022</a:t>
             </a:fld>
             <a:endParaRPr lang="en-US" dirty="0"/>
           </a:p>
@@ -720,7 +725,7 @@
           <a:p>
             <a:fld id="{48A87A34-81AB-432B-8DAE-1953F412C126}" type="datetimeFigureOut">
               <a:rPr lang="en-US" dirty="0"/>
-              <a:t>4/3/2022</a:t>
+              <a:t>4/9/2022</a:t>
             </a:fld>
             <a:endParaRPr lang="en-US" dirty="0"/>
           </a:p>
@@ -976,7 +981,7 @@
           <a:p>
             <a:fld id="{48A87A34-81AB-432B-8DAE-1953F412C126}" type="datetimeFigureOut">
               <a:rPr lang="en-US" dirty="0"/>
-              <a:t>4/3/2022</a:t>
+              <a:t>4/9/2022</a:t>
             </a:fld>
             <a:endParaRPr lang="en-US" dirty="0"/>
           </a:p>
@@ -1395,7 +1400,7 @@
           <a:p>
             <a:fld id="{48A87A34-81AB-432B-8DAE-1953F412C126}" type="datetimeFigureOut">
               <a:rPr lang="en-US" dirty="0"/>
-              <a:t>4/3/2022</a:t>
+              <a:t>4/9/2022</a:t>
             </a:fld>
             <a:endParaRPr lang="en-US" dirty="0"/>
           </a:p>
@@ -1936,7 +1941,7 @@
           <a:p>
             <a:fld id="{48A87A34-81AB-432B-8DAE-1953F412C126}" type="datetimeFigureOut">
               <a:rPr lang="en-US" dirty="0"/>
-              <a:t>4/3/2022</a:t>
+              <a:t>4/9/2022</a:t>
             </a:fld>
             <a:endParaRPr lang="en-US" dirty="0"/>
           </a:p>
@@ -2771,7 +2776,7 @@
           <a:p>
             <a:fld id="{48A87A34-81AB-432B-8DAE-1953F412C126}" type="datetimeFigureOut">
               <a:rPr lang="en-US" dirty="0"/>
-              <a:t>4/3/2022</a:t>
+              <a:t>4/9/2022</a:t>
             </a:fld>
             <a:endParaRPr lang="en-US" dirty="0"/>
           </a:p>
@@ -2936,7 +2941,7 @@
           <a:p>
             <a:fld id="{48A87A34-81AB-432B-8DAE-1953F412C126}" type="datetimeFigureOut">
               <a:rPr lang="en-US" dirty="0"/>
-              <a:t>4/3/2022</a:t>
+              <a:t>4/9/2022</a:t>
             </a:fld>
             <a:endParaRPr lang="en-US" dirty="0"/>
           </a:p>
@@ -3115,7 +3120,7 @@
           <a:p>
             <a:fld id="{48A87A34-81AB-432B-8DAE-1953F412C126}" type="datetimeFigureOut">
               <a:rPr lang="en-US" dirty="0"/>
-              <a:t>4/3/2022</a:t>
+              <a:t>4/9/2022</a:t>
             </a:fld>
             <a:endParaRPr lang="en-US" dirty="0"/>
           </a:p>
@@ -3280,7 +3285,7 @@
           <a:p>
             <a:fld id="{48A87A34-81AB-432B-8DAE-1953F412C126}" type="datetimeFigureOut">
               <a:rPr lang="en-US" dirty="0"/>
-              <a:t>4/3/2022</a:t>
+              <a:t>4/9/2022</a:t>
             </a:fld>
             <a:endParaRPr lang="en-US" dirty="0"/>
           </a:p>
@@ -3523,7 +3528,7 @@
           <a:p>
             <a:fld id="{48A87A34-81AB-432B-8DAE-1953F412C126}" type="datetimeFigureOut">
               <a:rPr lang="en-US" dirty="0"/>
-              <a:t>4/3/2022</a:t>
+              <a:t>4/9/2022</a:t>
             </a:fld>
             <a:endParaRPr lang="en-US" dirty="0"/>
           </a:p>
@@ -3755,7 +3760,7 @@
           <a:p>
             <a:fld id="{48A87A34-81AB-432B-8DAE-1953F412C126}" type="datetimeFigureOut">
               <a:rPr lang="en-US" dirty="0"/>
-              <a:t>4/3/2022</a:t>
+              <a:t>4/9/2022</a:t>
             </a:fld>
             <a:endParaRPr lang="en-US" dirty="0"/>
           </a:p>
@@ -4123,7 +4128,7 @@
           <a:p>
             <a:fld id="{48A87A34-81AB-432B-8DAE-1953F412C126}" type="datetimeFigureOut">
               <a:rPr lang="en-US" dirty="0"/>
-              <a:t>4/3/2022</a:t>
+              <a:t>4/9/2022</a:t>
             </a:fld>
             <a:endParaRPr lang="en-US" dirty="0"/>
           </a:p>
@@ -4236,7 +4241,7 @@
           <a:p>
             <a:fld id="{48A87A34-81AB-432B-8DAE-1953F412C126}" type="datetimeFigureOut">
               <a:rPr lang="en-US" dirty="0"/>
-              <a:t>4/3/2022</a:t>
+              <a:t>4/9/2022</a:t>
             </a:fld>
             <a:endParaRPr lang="en-US" dirty="0"/>
           </a:p>
@@ -4326,7 +4331,7 @@
           <a:p>
             <a:fld id="{48A87A34-81AB-432B-8DAE-1953F412C126}" type="datetimeFigureOut">
               <a:rPr lang="en-US" dirty="0"/>
-              <a:t>4/3/2022</a:t>
+              <a:t>4/9/2022</a:t>
             </a:fld>
             <a:endParaRPr lang="en-US" dirty="0"/>
           </a:p>
@@ -4572,7 +4577,7 @@
           <a:p>
             <a:fld id="{48A87A34-81AB-432B-8DAE-1953F412C126}" type="datetimeFigureOut">
               <a:rPr lang="en-US" dirty="0"/>
-              <a:t>4/3/2022</a:t>
+              <a:t>4/9/2022</a:t>
             </a:fld>
             <a:endParaRPr lang="en-US" dirty="0"/>
           </a:p>
@@ -4854,7 +4859,7 @@
           <a:p>
             <a:fld id="{48A87A34-81AB-432B-8DAE-1953F412C126}" type="datetimeFigureOut">
               <a:rPr lang="en-US" dirty="0"/>
-              <a:t>4/3/2022</a:t>
+              <a:t>4/9/2022</a:t>
             </a:fld>
             <a:endParaRPr lang="en-US" dirty="0"/>
           </a:p>
@@ -5063,7 +5068,7 @@
             <a:fld id="{48A87A34-81AB-432B-8DAE-1953F412C126}" type="datetimeFigureOut">
               <a:rPr lang="en-US" dirty="0"/>
               <a:pPr/>
-              <a:t>4/3/2022</a:t>
+              <a:t>4/9/2022</a:t>
             </a:fld>
             <a:endParaRPr lang="en-US" dirty="0"/>
           </a:p>
